--- a/src/main/java/ee/bcs/java/lectures/Loeng11 - web 3.pptx
+++ b/src/main/java/ee/bcs/java/lectures/Loeng11 - web 3.pptx
@@ -450,7 +450,7 @@
           <a:p>
             <a:fld id="{0DB10B4D-3942-44A5-9DC6-D0FD21C8A4FC}" type="datetimeFigureOut">
               <a:rPr lang="en-US" smtClean="0"/>
-              <a:t>11/23/2020</a:t>
+              <a:t>31-Jan-21</a:t>
             </a:fld>
             <a:endParaRPr lang="en-US"/>
           </a:p>
@@ -1344,7 +1344,7 @@
             <a:fld id="{9B034333-4FC0-4832-B48E-1BB4D6BFA92F}" type="datetimeFigureOut">
               <a:rPr lang="et-EE" smtClean="0"/>
               <a:pPr/>
-              <a:t>23.11.2020</a:t>
+              <a:t>31.01.2021</a:t>
             </a:fld>
             <a:endParaRPr lang="et-EE"/>
           </a:p>
@@ -1563,7 +1563,7 @@
             <a:fld id="{9B034333-4FC0-4832-B48E-1BB4D6BFA92F}" type="datetimeFigureOut">
               <a:rPr lang="et-EE" smtClean="0"/>
               <a:pPr/>
-              <a:t>23.11.2020</a:t>
+              <a:t>31.01.2021</a:t>
             </a:fld>
             <a:endParaRPr lang="et-EE"/>
           </a:p>
@@ -1738,7 +1738,7 @@
             <a:fld id="{9B034333-4FC0-4832-B48E-1BB4D6BFA92F}" type="datetimeFigureOut">
               <a:rPr lang="et-EE" smtClean="0"/>
               <a:pPr/>
-              <a:t>23.11.2020</a:t>
+              <a:t>31.01.2021</a:t>
             </a:fld>
             <a:endParaRPr lang="et-EE"/>
           </a:p>
@@ -1981,7 +1981,7 @@
             <a:fld id="{9B034333-4FC0-4832-B48E-1BB4D6BFA92F}" type="datetimeFigureOut">
               <a:rPr lang="et-EE" smtClean="0"/>
               <a:pPr/>
-              <a:t>23.11.2020</a:t>
+              <a:t>31.01.2021</a:t>
             </a:fld>
             <a:endParaRPr lang="et-EE"/>
           </a:p>
@@ -2278,7 +2278,7 @@
             <a:fld id="{9B034333-4FC0-4832-B48E-1BB4D6BFA92F}" type="datetimeFigureOut">
               <a:rPr lang="et-EE" smtClean="0"/>
               <a:pPr/>
-              <a:t>23.11.2020</a:t>
+              <a:t>31.01.2021</a:t>
             </a:fld>
             <a:endParaRPr lang="et-EE"/>
           </a:p>
@@ -2630,7 +2630,7 @@
             <a:fld id="{9B034333-4FC0-4832-B48E-1BB4D6BFA92F}" type="datetimeFigureOut">
               <a:rPr lang="et-EE" smtClean="0"/>
               <a:pPr/>
-              <a:t>23.11.2020</a:t>
+              <a:t>31.01.2021</a:t>
             </a:fld>
             <a:endParaRPr lang="et-EE"/>
           </a:p>
@@ -3130,7 +3130,7 @@
             <a:fld id="{9B034333-4FC0-4832-B48E-1BB4D6BFA92F}" type="datetimeFigureOut">
               <a:rPr lang="et-EE" smtClean="0"/>
               <a:pPr/>
-              <a:t>23.11.2020</a:t>
+              <a:t>31.01.2021</a:t>
             </a:fld>
             <a:endParaRPr lang="et-EE"/>
           </a:p>
@@ -3244,7 +3244,7 @@
             <a:fld id="{9B034333-4FC0-4832-B48E-1BB4D6BFA92F}" type="datetimeFigureOut">
               <a:rPr lang="et-EE" smtClean="0"/>
               <a:pPr/>
-              <a:t>23.11.2020</a:t>
+              <a:t>31.01.2021</a:t>
             </a:fld>
             <a:endParaRPr lang="et-EE"/>
           </a:p>
@@ -3336,7 +3336,7 @@
             <a:fld id="{9B034333-4FC0-4832-B48E-1BB4D6BFA92F}" type="datetimeFigureOut">
               <a:rPr lang="et-EE" smtClean="0"/>
               <a:pPr/>
-              <a:t>23.11.2020</a:t>
+              <a:t>31.01.2021</a:t>
             </a:fld>
             <a:endParaRPr lang="et-EE"/>
           </a:p>
@@ -3608,7 +3608,7 @@
             <a:fld id="{9B034333-4FC0-4832-B48E-1BB4D6BFA92F}" type="datetimeFigureOut">
               <a:rPr lang="et-EE" smtClean="0"/>
               <a:pPr/>
-              <a:t>23.11.2020</a:t>
+              <a:t>31.01.2021</a:t>
             </a:fld>
             <a:endParaRPr lang="et-EE"/>
           </a:p>
@@ -3860,7 +3860,7 @@
             <a:fld id="{9B034333-4FC0-4832-B48E-1BB4D6BFA92F}" type="datetimeFigureOut">
               <a:rPr lang="et-EE" smtClean="0"/>
               <a:pPr/>
-              <a:t>23.11.2020</a:t>
+              <a:t>31.01.2021</a:t>
             </a:fld>
             <a:endParaRPr lang="et-EE"/>
           </a:p>
@@ -4069,7 +4069,7 @@
             <a:fld id="{9B034333-4FC0-4832-B48E-1BB4D6BFA92F}" type="datetimeFigureOut">
               <a:rPr lang="et-EE" smtClean="0"/>
               <a:pPr/>
-              <a:t>23.11.2020</a:t>
+              <a:t>31.01.2021</a:t>
             </a:fld>
             <a:endParaRPr lang="et-EE"/>
           </a:p>
@@ -5805,11 +5805,15 @@
             </a:r>
             <a:r>
               <a:rPr lang="et-EE" dirty="0" err="1"/>
-              <a:t>wih</a:t>
-            </a:r>
-            <a:r>
-              <a:rPr lang="et-EE" dirty="0"/>
-              <a:t> @Service</a:t>
+              <a:t>wi</a:t>
+            </a:r>
+            <a:r>
+              <a:rPr lang="en-US" dirty="0"/>
+              <a:t>t</a:t>
+            </a:r>
+            <a:r>
+              <a:rPr lang="et-EE" dirty="0"/>
+              <a:t>h @Service</a:t>
             </a:r>
           </a:p>
           <a:p>
